--- a/inflearn02/doc/2.공통기능을 추상화 하고 쉽게 사용할 수 있도록 구성합니다..pptx
+++ b/inflearn02/doc/2.공통기능을 추상화 하고 쉽게 사용할 수 있도록 구성합니다..pptx
@@ -231,7 +231,7 @@
                 <a:latin typeface="맑은 고딕" panose="020B0503020000020004" pitchFamily="50" charset="-127"/>
                 <a:ea typeface="맑은 고딕" panose="020B0503020000020004" pitchFamily="50" charset="-127"/>
               </a:rPr>
-              <a:t>2021년 6월 24일</a:t>
+              <a:t>2021년 6월 26일</a:t>
             </a:fld>
             <a:endParaRPr lang="ko-KR" altLang="en-US">
               <a:latin typeface="맑은 고딕" panose="020B0503020000020004" pitchFamily="50" charset="-127"/>
@@ -417,7 +417,7 @@
             <a:fld id="{BE16EC8A-0758-4FA9-BF4D-3119057076D1}" type="datetime4">
               <a:rPr lang="ko-KR" altLang="en-US" smtClean="0"/>
               <a:pPr/>
-              <a:t>2021년 6월 24일</a:t>
+              <a:t>2021년 6월 26일</a:t>
             </a:fld>
             <a:endParaRPr lang="ko-KR" altLang="en-US"/>
           </a:p>
@@ -3848,7 +3848,7 @@
           <a:p>
             <a:fld id="{2A5B65E4-62A8-4988-B07B-5D6D443B14ED}" type="datetime4">
               <a:rPr lang="ko-KR" altLang="en-US" smtClean="0"/>
-              <a:t>2021년 6월 24일</a:t>
+              <a:t>2021년 6월 26일</a:t>
             </a:fld>
             <a:endParaRPr lang="ko-KR" altLang="en-US"/>
           </a:p>
@@ -4104,7 +4104,7 @@
           <a:p>
             <a:fld id="{58EB6286-0DE7-4336-9826-977AD102FCF2}" type="datetime4">
               <a:rPr lang="ko-KR" altLang="en-US" noProof="0" smtClean="0"/>
-              <a:t>2021년 6월 24일</a:t>
+              <a:t>2021년 6월 26일</a:t>
             </a:fld>
             <a:endParaRPr lang="ko-KR" altLang="en-US" noProof="0"/>
           </a:p>
@@ -4300,7 +4300,7 @@
             <a:pPr rtl="0"/>
             <a:fld id="{6A5419DA-7218-42E5-A443-F000500111E1}" type="datetime4">
               <a:rPr lang="ko-KR" altLang="en-US" noProof="0" smtClean="0"/>
-              <a:t>2021년 6월 24일</a:t>
+              <a:t>2021년 6월 26일</a:t>
             </a:fld>
             <a:endParaRPr lang="ko-KR" altLang="en-US" noProof="0"/>
           </a:p>
@@ -6701,7 +6701,7 @@
           <a:p>
             <a:fld id="{E498C52F-1DF1-4226-BAB6-C1E2EE4C9D62}" type="datetime4">
               <a:rPr lang="ko-KR" altLang="en-US" noProof="0" smtClean="0"/>
-              <a:t>2021년 6월 24일</a:t>
+              <a:t>2021년 6월 26일</a:t>
             </a:fld>
             <a:endParaRPr lang="ko-KR" altLang="en-US" noProof="0"/>
           </a:p>
@@ -7220,7 +7220,7 @@
           <a:p>
             <a:fld id="{7B1E1FFC-F755-4558-8D3C-A157D1A01A8A}" type="datetime4">
               <a:rPr lang="ko-KR" altLang="en-US" noProof="0" smtClean="0"/>
-              <a:t>2021년 6월 24일</a:t>
+              <a:t>2021년 6월 26일</a:t>
             </a:fld>
             <a:endParaRPr lang="ko-KR" altLang="en-US" noProof="0"/>
           </a:p>
@@ -7364,7 +7364,7 @@
             <a:pPr rtl="0"/>
             <a:fld id="{DA2A33C0-A4A8-4C90-B6DA-35B8CF58C816}" type="datetime4">
               <a:rPr lang="ko-KR" altLang="en-US" noProof="0" smtClean="0"/>
-              <a:t>2021년 6월 24일</a:t>
+              <a:t>2021년 6월 26일</a:t>
             </a:fld>
             <a:endParaRPr lang="ko-KR" altLang="en-US" noProof="0"/>
           </a:p>
@@ -9312,7 +9312,7 @@
           <a:p>
             <a:fld id="{53CB1B8F-A14A-4BE4-A9B9-3B263F04145C}" type="datetime4">
               <a:rPr lang="ko-KR" altLang="en-US" noProof="0" smtClean="0"/>
-              <a:t>2021년 6월 24일</a:t>
+              <a:t>2021년 6월 26일</a:t>
             </a:fld>
             <a:endParaRPr lang="ko-KR" altLang="en-US" noProof="0"/>
           </a:p>
@@ -11609,7 +11609,7 @@
           <a:p>
             <a:fld id="{5B9196A3-957C-4113-A568-B6ED9AEA3D01}" type="datetime4">
               <a:rPr lang="ko-KR" altLang="en-US" noProof="0" smtClean="0"/>
-              <a:t>2021년 6월 24일</a:t>
+              <a:t>2021년 6월 26일</a:t>
             </a:fld>
             <a:endParaRPr lang="ko-KR" altLang="en-US" noProof="0"/>
           </a:p>
@@ -15926,7 +15926,7 @@
           <a:p>
             <a:fld id="{28BEB146-D335-4DA5-9826-58595BCDBE2E}" type="datetime4">
               <a:rPr lang="ko-KR" altLang="en-US" noProof="0" smtClean="0"/>
-              <a:t>2021년 6월 24일</a:t>
+              <a:t>2021년 6월 26일</a:t>
             </a:fld>
             <a:endParaRPr lang="ko-KR" altLang="en-US" noProof="0"/>
           </a:p>
@@ -16436,20 +16436,40 @@
         </p:spPr>
         <p:txBody>
           <a:bodyPr rtlCol="0">
-            <a:normAutofit/>
+            <a:noAutofit/>
           </a:bodyPr>
           <a:lstStyle/>
           <a:p>
             <a:pPr rtl="0"/>
             <a:r>
-              <a:rPr lang="ko-KR" altLang="en-US" dirty="0"/>
-              <a:t>공통기능을 추상화 하고 쉽게 사용할 수 있도록 구성합니다</a:t>
-            </a:r>
-            <a:r>
-              <a:rPr lang="en-US" altLang="ko-KR" dirty="0"/>
+              <a:rPr lang="ko-KR" altLang="en-US" sz="1600" dirty="0"/>
+              <a:t>공통기능을 </a:t>
+            </a:r>
+            <a:r>
+              <a:rPr lang="ko-KR" altLang="en-US" sz="1600"/>
+              <a:t>추상화 하고</a:t>
+            </a:r>
+            <a:endParaRPr lang="en-US" altLang="ko-KR" sz="1600"/>
+          </a:p>
+          <a:p>
+            <a:pPr rtl="0"/>
+            <a:endParaRPr lang="en-US" altLang="ko-KR" sz="1600"/>
+          </a:p>
+          <a:p>
+            <a:pPr rtl="0"/>
+            <a:r>
+              <a:rPr lang="ko-KR" altLang="en-US" sz="1600"/>
+              <a:t>쉽게 </a:t>
+            </a:r>
+            <a:r>
+              <a:rPr lang="ko-KR" altLang="en-US" sz="1600" dirty="0"/>
+              <a:t>사용할 수 있도록 구성합니다</a:t>
+            </a:r>
+            <a:r>
+              <a:rPr lang="en-US" altLang="ko-KR" sz="1600" dirty="0"/>
               <a:t>.</a:t>
             </a:r>
-            <a:endParaRPr lang="ko-KR" altLang="en-US" dirty="0">
+            <a:endParaRPr lang="ko-KR" altLang="en-US" sz="1600" dirty="0">
               <a:latin typeface="맑은 고딕" panose="020B0503020000020004" pitchFamily="50" charset="-127"/>
               <a:ea typeface="맑은 고딕" panose="020B0503020000020004" pitchFamily="50" charset="-127"/>
             </a:endParaRPr>
@@ -16578,7 +16598,7 @@
         </p:nvSpPr>
         <p:spPr>
           <a:xfrm>
-            <a:off x="5628347" y="4101043"/>
+            <a:off x="5176109" y="3626655"/>
             <a:ext cx="1582667" cy="436970"/>
           </a:xfrm>
           <a:prstGeom prst="rect">
@@ -16631,7 +16651,7 @@
         </p:nvSpPr>
         <p:spPr>
           <a:xfrm>
-            <a:off x="1694977" y="4783821"/>
+            <a:off x="1622614" y="4244391"/>
             <a:ext cx="2816028" cy="436970"/>
           </a:xfrm>
           <a:prstGeom prst="rect">
@@ -16673,7 +16693,7 @@
                 </a:solidFill>
                 <a:latin typeface="Consolas" panose="020B0609020204030204" pitchFamily="49" charset="0"/>
               </a:rPr>
-              <a:t>의 기능 사용 못함</a:t>
+              <a:t>의 기능 사용 안함</a:t>
             </a:r>
             <a:endParaRPr lang="ko-KR" altLang="en-US">
               <a:solidFill>
@@ -16697,7 +16717,7 @@
         </p:nvSpPr>
         <p:spPr>
           <a:xfrm>
-            <a:off x="1694976" y="3578250"/>
+            <a:off x="1622613" y="3038820"/>
             <a:ext cx="2816028" cy="436970"/>
           </a:xfrm>
           <a:prstGeom prst="rect">
@@ -16763,7 +16783,7 @@
         </p:nvSpPr>
         <p:spPr>
           <a:xfrm>
-            <a:off x="7766592" y="4101043"/>
+            <a:off x="7549503" y="3626655"/>
             <a:ext cx="1582667" cy="436970"/>
           </a:xfrm>
           <a:prstGeom prst="rect">
@@ -17095,7 +17115,9 @@
         </p:nvSpPr>
         <p:spPr/>
         <p:txBody>
-          <a:bodyPr/>
+          <a:bodyPr>
+            <a:normAutofit fontScale="92500" lnSpcReduction="10000"/>
+          </a:bodyPr>
           <a:lstStyle/>
           <a:p>
             <a:pPr rtl="0"/>
@@ -17109,7 +17131,15 @@
             <a:pPr lvl="1"/>
             <a:r>
               <a:rPr lang="ko-KR" altLang="en-US" dirty="0"/>
-              <a:t>복잡하고 어려운 기능을 단순하게 표현하고 쉽게 사용할 수 있게 해주는 기법</a:t>
+              <a:t>복잡하고 어려운 </a:t>
+            </a:r>
+            <a:r>
+              <a:rPr lang="ko-KR" altLang="en-US"/>
+              <a:t>기능을 단순하게 표현하고 </a:t>
+            </a:r>
+            <a:r>
+              <a:rPr lang="ko-KR" altLang="en-US" dirty="0"/>
+              <a:t>쉽게 사용할 수 있게 해주는 기법</a:t>
             </a:r>
             <a:endParaRPr lang="ko-KR" altLang="en-US" dirty="0">
               <a:latin typeface="맑은 고딕" panose="020B0503020000020004" pitchFamily="50" charset="-127"/>
@@ -17126,11 +17156,18 @@
           <a:p>
             <a:pPr lvl="1"/>
             <a:r>
+              <a:rPr lang="en-US" altLang="ko-KR">
+                <a:latin typeface="맑은 고딕" panose="020B0503020000020004" pitchFamily="50" charset="-127"/>
+                <a:ea typeface="맑은 고딕" panose="020B0503020000020004" pitchFamily="50" charset="-127"/>
+              </a:rPr>
+              <a:t>abstract </a:t>
+            </a:r>
+            <a:r>
               <a:rPr lang="en-US" altLang="ko-KR" dirty="0">
                 <a:latin typeface="맑은 고딕" panose="020B0503020000020004" pitchFamily="50" charset="-127"/>
                 <a:ea typeface="맑은 고딕" panose="020B0503020000020004" pitchFamily="50" charset="-127"/>
               </a:rPr>
-              <a:t>abstract class</a:t>
+              <a:t>class</a:t>
             </a:r>
             <a:r>
               <a:rPr lang="en-US" altLang="ko-KR">
@@ -17148,97 +17185,128 @@
             <a:pPr lvl="1"/>
             <a:r>
               <a:rPr lang="ko-KR" altLang="en-US"/>
-              <a:t>단순하게 </a:t>
-            </a:r>
+              <a:t>기능을 단순하게 표현</a:t>
+            </a:r>
+            <a:endParaRPr lang="en-US" altLang="ko-KR" dirty="0">
+              <a:latin typeface="맑은 고딕" panose="020B0503020000020004" pitchFamily="50" charset="-127"/>
+              <a:ea typeface="맑은 고딕" panose="020B0503020000020004" pitchFamily="50" charset="-127"/>
+            </a:endParaRPr>
+          </a:p>
+          <a:p>
+            <a:r>
+              <a:rPr lang="ko-KR" altLang="en-US"/>
+              <a:t>쉽게 사용할 수 있도록</a:t>
+            </a:r>
+            <a:endParaRPr lang="en-US" altLang="ko-KR"/>
+          </a:p>
+          <a:p>
+            <a:pPr lvl="1"/>
+            <a:r>
+              <a:rPr lang="ko-KR" altLang="en-US"/>
+              <a:t>표현과 구현을 분리 </a:t>
+            </a:r>
+            <a:r>
+              <a:rPr lang="en-US" altLang="ko-KR"/>
+              <a:t>: </a:t>
+            </a:r>
+            <a:r>
+              <a:rPr lang="ko-KR" altLang="en-US"/>
+              <a:t>생각할 시간을 줄임</a:t>
+            </a:r>
+            <a:endParaRPr lang="en-US" altLang="ko-KR"/>
+          </a:p>
+          <a:p>
+            <a:pPr lvl="2"/>
+            <a:r>
+              <a:rPr lang="ko-KR" altLang="en-US">
+                <a:solidFill>
+                  <a:srgbClr val="FF0000"/>
+                </a:solidFill>
+              </a:rPr>
+              <a:t>무조건 분리하는건 좋지 않음</a:t>
+            </a:r>
+            <a:endParaRPr lang="en-US" altLang="ko-KR">
+              <a:solidFill>
+                <a:srgbClr val="FF0000"/>
+              </a:solidFill>
+            </a:endParaRPr>
+          </a:p>
+          <a:p>
+            <a:pPr lvl="2"/>
+            <a:r>
+              <a:rPr lang="ko-KR" altLang="en-US">
+                <a:solidFill>
+                  <a:srgbClr val="FF0000"/>
+                </a:solidFill>
+              </a:rPr>
+              <a:t>인터페이스와 구현클래스가 </a:t>
+            </a:r>
+            <a:r>
+              <a:rPr lang="en-US" altLang="ko-KR">
+                <a:solidFill>
+                  <a:srgbClr val="FF0000"/>
+                </a:solidFill>
+              </a:rPr>
+              <a:t>1:1 </a:t>
+            </a:r>
+            <a:r>
+              <a:rPr lang="ko-KR" altLang="en-US">
+                <a:solidFill>
+                  <a:srgbClr val="FF0000"/>
+                </a:solidFill>
+              </a:rPr>
+              <a:t>관계일땐 제거</a:t>
+            </a:r>
+            <a:endParaRPr lang="en-US" altLang="ko-KR" dirty="0">
+              <a:solidFill>
+                <a:srgbClr val="FF0000"/>
+              </a:solidFill>
+            </a:endParaRPr>
+          </a:p>
+          <a:p>
+            <a:pPr lvl="1"/>
             <a:r>
               <a:rPr lang="ko-KR" altLang="en-US">
                 <a:latin typeface="맑은 고딕" panose="020B0503020000020004" pitchFamily="50" charset="-127"/>
                 <a:ea typeface="맑은 고딕" panose="020B0503020000020004" pitchFamily="50" charset="-127"/>
               </a:rPr>
-              <a:t>틀만 표현</a:t>
-            </a:r>
+              <a:t>정보은닉</a:t>
+            </a:r>
+            <a:r>
+              <a:rPr lang="en-US" altLang="ko-KR">
+                <a:latin typeface="맑은 고딕" panose="020B0503020000020004" pitchFamily="50" charset="-127"/>
+                <a:ea typeface="맑은 고딕" panose="020B0503020000020004" pitchFamily="50" charset="-127"/>
+              </a:rPr>
+              <a:t>, </a:t>
+            </a:r>
+            <a:r>
+              <a:rPr lang="ko-KR" altLang="en-US">
+                <a:latin typeface="맑은 고딕" panose="020B0503020000020004" pitchFamily="50" charset="-127"/>
+                <a:ea typeface="맑은 고딕" panose="020B0503020000020004" pitchFamily="50" charset="-127"/>
+              </a:rPr>
+              <a:t>캡슐화 </a:t>
+            </a:r>
+            <a:r>
+              <a:rPr lang="en-US" altLang="ko-KR">
+                <a:latin typeface="맑은 고딕" panose="020B0503020000020004" pitchFamily="50" charset="-127"/>
+                <a:ea typeface="맑은 고딕" panose="020B0503020000020004" pitchFamily="50" charset="-127"/>
+              </a:rPr>
+              <a:t>: </a:t>
+            </a:r>
+            <a:r>
+              <a:rPr lang="ko-KR" altLang="en-US"/>
+              <a:t>선택의 시간을 줄임</a:t>
+            </a:r>
+            <a:endParaRPr lang="en-US" altLang="ko-KR"/>
+          </a:p>
+          <a:p>
+            <a:pPr lvl="1"/>
             <a:endParaRPr lang="en-US" altLang="ko-KR">
               <a:latin typeface="맑은 고딕" panose="020B0503020000020004" pitchFamily="50" charset="-127"/>
               <a:ea typeface="맑은 고딕" panose="020B0503020000020004" pitchFamily="50" charset="-127"/>
             </a:endParaRPr>
           </a:p>
           <a:p>
-            <a:pPr lvl="1"/>
-            <a:r>
-              <a:rPr lang="ko-KR" altLang="en-US"/>
-              <a:t>개발자의 생각을 줄임</a:t>
-            </a:r>
-            <a:endParaRPr lang="en-US" altLang="ko-KR" dirty="0">
-              <a:latin typeface="맑은 고딕" panose="020B0503020000020004" pitchFamily="50" charset="-127"/>
-              <a:ea typeface="맑은 고딕" panose="020B0503020000020004" pitchFamily="50" charset="-127"/>
-            </a:endParaRPr>
-          </a:p>
-          <a:p>
-            <a:r>
-              <a:rPr lang="ko-KR" altLang="en-US"/>
-              <a:t>추상화는 표현한 틀을 표현과 </a:t>
-            </a:r>
-            <a:r>
-              <a:rPr lang="ko-KR" altLang="en-US" dirty="0"/>
-              <a:t>구현을 분리 </a:t>
-            </a:r>
-            <a:r>
-              <a:rPr lang="en-US" altLang="ko-KR" dirty="0"/>
-              <a:t>: </a:t>
-            </a:r>
-            <a:r>
-              <a:rPr lang="ko-KR" altLang="en-US" dirty="0"/>
-              <a:t>위임</a:t>
-            </a:r>
-            <a:r>
-              <a:rPr lang="en-US" altLang="ko-KR" dirty="0"/>
-              <a:t>, </a:t>
-            </a:r>
-            <a:r>
-              <a:rPr lang="ko-KR" altLang="en-US" dirty="0"/>
-              <a:t>상속</a:t>
-            </a:r>
-            <a:r>
-              <a:rPr lang="en-US" altLang="ko-KR" dirty="0"/>
-              <a:t>, </a:t>
-            </a:r>
-            <a:r>
-              <a:rPr lang="ko-KR" altLang="en-US" dirty="0"/>
-              <a:t>구현</a:t>
-            </a:r>
-            <a:endParaRPr lang="en-US" altLang="ko-KR" dirty="0"/>
-          </a:p>
-          <a:p>
-            <a:pPr lvl="1"/>
-            <a:r>
-              <a:rPr lang="ko-KR" altLang="en-US" dirty="0"/>
-              <a:t>생각의 시간 줄임 </a:t>
-            </a:r>
-            <a:r>
-              <a:rPr lang="en-US" altLang="ko-KR" dirty="0"/>
-              <a:t>: </a:t>
-            </a:r>
-            <a:r>
-              <a:rPr lang="ko-KR" altLang="en-US" dirty="0">
-                <a:latin typeface="맑은 고딕" panose="020B0503020000020004" pitchFamily="50" charset="-127"/>
-                <a:ea typeface="맑은 고딕" panose="020B0503020000020004" pitchFamily="50" charset="-127"/>
-              </a:rPr>
-              <a:t>정보은닉</a:t>
-            </a:r>
-            <a:r>
-              <a:rPr lang="en-US" altLang="ko-KR" dirty="0">
-                <a:latin typeface="맑은 고딕" panose="020B0503020000020004" pitchFamily="50" charset="-127"/>
-                <a:ea typeface="맑은 고딕" panose="020B0503020000020004" pitchFamily="50" charset="-127"/>
-              </a:rPr>
-              <a:t>, </a:t>
-            </a:r>
-            <a:r>
-              <a:rPr lang="ko-KR" altLang="en-US" dirty="0">
-                <a:latin typeface="맑은 고딕" panose="020B0503020000020004" pitchFamily="50" charset="-127"/>
-                <a:ea typeface="맑은 고딕" panose="020B0503020000020004" pitchFamily="50" charset="-127"/>
-              </a:rPr>
-              <a:t>캡슐화</a:t>
-            </a:r>
             <a:endParaRPr lang="en-US" altLang="ko-KR" dirty="0">
               <a:latin typeface="맑은 고딕" panose="020B0503020000020004" pitchFamily="50" charset="-127"/>
               <a:ea typeface="맑은 고딕" panose="020B0503020000020004" pitchFamily="50" charset="-127"/>
@@ -17548,7 +17616,7 @@
         </p:blipFill>
         <p:spPr bwMode="auto">
           <a:xfrm>
-            <a:off x="5199737" y="3564689"/>
+            <a:off x="5239207" y="2847641"/>
             <a:ext cx="5438497" cy="1414121"/>
           </a:xfrm>
           <a:prstGeom prst="rect">
@@ -17842,7 +17910,7 @@
         </p:nvSpPr>
         <p:spPr>
           <a:xfrm>
-            <a:off x="5585890" y="2842867"/>
+            <a:off x="954685" y="4542751"/>
             <a:ext cx="2816028" cy="436970"/>
           </a:xfrm>
           <a:prstGeom prst="rect">
@@ -17895,7 +17963,7 @@
         </p:nvSpPr>
         <p:spPr>
           <a:xfrm>
-            <a:off x="7136760" y="3704533"/>
+            <a:off x="1702988" y="5199302"/>
             <a:ext cx="1582667" cy="436970"/>
           </a:xfrm>
           <a:prstGeom prst="rect">
@@ -17948,7 +18016,7 @@
         </p:nvSpPr>
         <p:spPr>
           <a:xfrm>
-            <a:off x="5585891" y="2034116"/>
+            <a:off x="558617" y="3886200"/>
             <a:ext cx="2816028" cy="436970"/>
           </a:xfrm>
           <a:prstGeom prst="rect">
@@ -18130,10 +18198,10 @@
       </p:sp>
       <p:sp>
         <p:nvSpPr>
-          <p:cNvPr id="5" name="직사각형 4">
+          <p:cNvPr id="14" name="직사각형 13">
             <a:extLst>
               <a:ext uri="{FF2B5EF4-FFF2-40B4-BE49-F238E27FC236}">
-                <a16:creationId xmlns:a16="http://schemas.microsoft.com/office/drawing/2014/main" id="{0DC820E0-8683-452C-9BAA-DFC86D9640BF}"/>
+                <a16:creationId xmlns:a16="http://schemas.microsoft.com/office/drawing/2014/main" id="{F8001B90-A402-4090-9545-B7ACA4517BA1}"/>
               </a:ext>
             </a:extLst>
           </p:cNvPr>
@@ -18142,7 +18210,7 @@
         </p:nvSpPr>
         <p:spPr>
           <a:xfrm>
-            <a:off x="7136760" y="3704533"/>
+            <a:off x="3968016" y="5199302"/>
             <a:ext cx="1582667" cy="436970"/>
           </a:xfrm>
           <a:prstGeom prst="rect">
@@ -18175,7 +18243,7 @@
                 </a:solidFill>
                 <a:latin typeface="Consolas" panose="020B0609020204030204" pitchFamily="49" charset="0"/>
               </a:rPr>
-              <a:t>Box</a:t>
+              <a:t>BoxHttp</a:t>
             </a:r>
             <a:endParaRPr lang="ko-KR" altLang="en-US"/>
           </a:p>
@@ -18183,10 +18251,10 @@
       </p:sp>
       <p:sp>
         <p:nvSpPr>
-          <p:cNvPr id="14" name="직사각형 13">
+          <p:cNvPr id="11" name="직사각형 10">
             <a:extLst>
               <a:ext uri="{FF2B5EF4-FFF2-40B4-BE49-F238E27FC236}">
-                <a16:creationId xmlns:a16="http://schemas.microsoft.com/office/drawing/2014/main" id="{F8001B90-A402-4090-9545-B7ACA4517BA1}"/>
+                <a16:creationId xmlns:a16="http://schemas.microsoft.com/office/drawing/2014/main" id="{243FD004-332E-4D6E-A474-0DC0663F1F6B}"/>
               </a:ext>
             </a:extLst>
           </p:cNvPr>
@@ -18195,7 +18263,60 @@
         </p:nvSpPr>
         <p:spPr>
           <a:xfrm>
-            <a:off x="7987429" y="4476466"/>
+            <a:off x="954685" y="4542751"/>
+            <a:ext cx="2816028" cy="436970"/>
+          </a:xfrm>
+          <a:prstGeom prst="rect">
+            <a:avLst/>
+          </a:prstGeom>
+        </p:spPr>
+        <p:style>
+          <a:lnRef idx="2">
+            <a:schemeClr val="accent6"/>
+          </a:lnRef>
+          <a:fillRef idx="1">
+            <a:schemeClr val="lt1"/>
+          </a:fillRef>
+          <a:effectRef idx="0">
+            <a:schemeClr val="accent6"/>
+          </a:effectRef>
+          <a:fontRef idx="minor">
+            <a:schemeClr val="dk1"/>
+          </a:fontRef>
+        </p:style>
+        <p:txBody>
+          <a:bodyPr rtlCol="0" anchor="ctr"/>
+          <a:lstStyle/>
+          <a:p>
+            <a:pPr algn="ctr"/>
+            <a:r>
+              <a:rPr lang="en-US" altLang="ko-KR" sz="1800">
+                <a:solidFill>
+                  <a:srgbClr val="000000"/>
+                </a:solidFill>
+                <a:latin typeface="Consolas" panose="020B0609020204030204" pitchFamily="49" charset="0"/>
+              </a:rPr>
+              <a:t>HttpServletRequest</a:t>
+            </a:r>
+            <a:endParaRPr lang="ko-KR" altLang="en-US"/>
+          </a:p>
+        </p:txBody>
+      </p:sp>
+      <p:sp>
+        <p:nvSpPr>
+          <p:cNvPr id="12" name="직사각형 11">
+            <a:extLst>
+              <a:ext uri="{FF2B5EF4-FFF2-40B4-BE49-F238E27FC236}">
+                <a16:creationId xmlns:a16="http://schemas.microsoft.com/office/drawing/2014/main" id="{1DE209E3-7473-49AB-A4C5-3EEC6A29B8D4}"/>
+              </a:ext>
+            </a:extLst>
+          </p:cNvPr>
+          <p:cNvSpPr/>
+          <p:nvPr/>
+        </p:nvSpPr>
+        <p:spPr>
+          <a:xfrm>
+            <a:off x="1702988" y="5199302"/>
             <a:ext cx="1582667" cy="436970"/>
           </a:xfrm>
           <a:prstGeom prst="rect">
@@ -18228,7 +18349,7 @@
                 </a:solidFill>
                 <a:latin typeface="Consolas" panose="020B0609020204030204" pitchFamily="49" charset="0"/>
               </a:rPr>
-              <a:t>BoxHttp</a:t>
+              <a:t>Box</a:t>
             </a:r>
             <a:endParaRPr lang="ko-KR" altLang="en-US"/>
           </a:p>
@@ -18236,10 +18357,10 @@
       </p:sp>
       <p:sp>
         <p:nvSpPr>
-          <p:cNvPr id="21" name="직사각형 20">
+          <p:cNvPr id="13" name="직사각형 12">
             <a:extLst>
               <a:ext uri="{FF2B5EF4-FFF2-40B4-BE49-F238E27FC236}">
-                <a16:creationId xmlns:a16="http://schemas.microsoft.com/office/drawing/2014/main" id="{EDBBA70C-6A7C-4D00-AC35-91549545F78E}"/>
+                <a16:creationId xmlns:a16="http://schemas.microsoft.com/office/drawing/2014/main" id="{AF3CB814-29E8-4F1E-B8B4-767A93CA48C0}"/>
               </a:ext>
             </a:extLst>
           </p:cNvPr>
@@ -18248,60 +18369,7 @@
         </p:nvSpPr>
         <p:spPr>
           <a:xfrm>
-            <a:off x="5585890" y="2842867"/>
-            <a:ext cx="2816028" cy="436970"/>
-          </a:xfrm>
-          <a:prstGeom prst="rect">
-            <a:avLst/>
-          </a:prstGeom>
-        </p:spPr>
-        <p:style>
-          <a:lnRef idx="2">
-            <a:schemeClr val="accent6"/>
-          </a:lnRef>
-          <a:fillRef idx="1">
-            <a:schemeClr val="lt1"/>
-          </a:fillRef>
-          <a:effectRef idx="0">
-            <a:schemeClr val="accent6"/>
-          </a:effectRef>
-          <a:fontRef idx="minor">
-            <a:schemeClr val="dk1"/>
-          </a:fontRef>
-        </p:style>
-        <p:txBody>
-          <a:bodyPr rtlCol="0" anchor="ctr"/>
-          <a:lstStyle/>
-          <a:p>
-            <a:pPr algn="ctr"/>
-            <a:r>
-              <a:rPr lang="en-US" altLang="ko-KR" sz="1800">
-                <a:solidFill>
-                  <a:srgbClr val="000000"/>
-                </a:solidFill>
-                <a:latin typeface="Consolas" panose="020B0609020204030204" pitchFamily="49" charset="0"/>
-              </a:rPr>
-              <a:t>HttpServletRequest</a:t>
-            </a:r>
-            <a:endParaRPr lang="ko-KR" altLang="en-US"/>
-          </a:p>
-        </p:txBody>
-      </p:sp>
-      <p:sp>
-        <p:nvSpPr>
-          <p:cNvPr id="22" name="직사각형 21">
-            <a:extLst>
-              <a:ext uri="{FF2B5EF4-FFF2-40B4-BE49-F238E27FC236}">
-                <a16:creationId xmlns:a16="http://schemas.microsoft.com/office/drawing/2014/main" id="{AA327A61-30D1-4250-8B8A-609C17AC3471}"/>
-              </a:ext>
-            </a:extLst>
-          </p:cNvPr>
-          <p:cNvSpPr/>
-          <p:nvPr/>
-        </p:nvSpPr>
-        <p:spPr>
-          <a:xfrm>
-            <a:off x="5585891" y="2034116"/>
+            <a:off x="558617" y="3886200"/>
             <a:ext cx="2816028" cy="436970"/>
           </a:xfrm>
           <a:prstGeom prst="rect">
@@ -18487,10 +18555,10 @@
       </p:sp>
       <p:sp>
         <p:nvSpPr>
-          <p:cNvPr id="5" name="직사각형 4">
+          <p:cNvPr id="13" name="직사각형 12">
             <a:extLst>
               <a:ext uri="{FF2B5EF4-FFF2-40B4-BE49-F238E27FC236}">
-                <a16:creationId xmlns:a16="http://schemas.microsoft.com/office/drawing/2014/main" id="{0DC820E0-8683-452C-9BAA-DFC86D9640BF}"/>
+                <a16:creationId xmlns:a16="http://schemas.microsoft.com/office/drawing/2014/main" id="{D1EE68B8-DBD4-4F8F-A835-08F6850945D9}"/>
               </a:ext>
             </a:extLst>
           </p:cNvPr>
@@ -18499,7 +18567,7 @@
         </p:nvSpPr>
         <p:spPr>
           <a:xfrm>
-            <a:off x="7136760" y="3704533"/>
+            <a:off x="3968016" y="5199302"/>
             <a:ext cx="1582667" cy="436970"/>
           </a:xfrm>
           <a:prstGeom prst="rect">
@@ -18532,7 +18600,7 @@
                 </a:solidFill>
                 <a:latin typeface="Consolas" panose="020B0609020204030204" pitchFamily="49" charset="0"/>
               </a:rPr>
-              <a:t>Box</a:t>
+              <a:t>BoxLocal</a:t>
             </a:r>
             <a:endParaRPr lang="ko-KR" altLang="en-US"/>
           </a:p>
@@ -18540,10 +18608,10 @@
       </p:sp>
       <p:sp>
         <p:nvSpPr>
-          <p:cNvPr id="14" name="직사각형 13">
+          <p:cNvPr id="16" name="직사각형 15">
             <a:extLst>
               <a:ext uri="{FF2B5EF4-FFF2-40B4-BE49-F238E27FC236}">
-                <a16:creationId xmlns:a16="http://schemas.microsoft.com/office/drawing/2014/main" id="{F8001B90-A402-4090-9545-B7ACA4517BA1}"/>
+                <a16:creationId xmlns:a16="http://schemas.microsoft.com/office/drawing/2014/main" id="{F10BC218-2151-4FD1-906D-79B9F38F3E25}"/>
               </a:ext>
             </a:extLst>
           </p:cNvPr>
@@ -18552,7 +18620,60 @@
         </p:nvSpPr>
         <p:spPr>
           <a:xfrm>
-            <a:off x="7987429" y="4476466"/>
+            <a:off x="954685" y="4542751"/>
+            <a:ext cx="2816028" cy="436970"/>
+          </a:xfrm>
+          <a:prstGeom prst="rect">
+            <a:avLst/>
+          </a:prstGeom>
+        </p:spPr>
+        <p:style>
+          <a:lnRef idx="2">
+            <a:schemeClr val="accent6"/>
+          </a:lnRef>
+          <a:fillRef idx="1">
+            <a:schemeClr val="lt1"/>
+          </a:fillRef>
+          <a:effectRef idx="0">
+            <a:schemeClr val="accent6"/>
+          </a:effectRef>
+          <a:fontRef idx="minor">
+            <a:schemeClr val="dk1"/>
+          </a:fontRef>
+        </p:style>
+        <p:txBody>
+          <a:bodyPr rtlCol="0" anchor="ctr"/>
+          <a:lstStyle/>
+          <a:p>
+            <a:pPr algn="ctr"/>
+            <a:r>
+              <a:rPr lang="en-US" altLang="ko-KR" sz="1800">
+                <a:solidFill>
+                  <a:srgbClr val="000000"/>
+                </a:solidFill>
+                <a:latin typeface="Consolas" panose="020B0609020204030204" pitchFamily="49" charset="0"/>
+              </a:rPr>
+              <a:t>HashMap</a:t>
+            </a:r>
+            <a:endParaRPr lang="ko-KR" altLang="en-US"/>
+          </a:p>
+        </p:txBody>
+      </p:sp>
+      <p:sp>
+        <p:nvSpPr>
+          <p:cNvPr id="19" name="직사각형 18">
+            <a:extLst>
+              <a:ext uri="{FF2B5EF4-FFF2-40B4-BE49-F238E27FC236}">
+                <a16:creationId xmlns:a16="http://schemas.microsoft.com/office/drawing/2014/main" id="{C7EC0F0C-8FBA-4DA7-BCEB-EBD026F90FAE}"/>
+              </a:ext>
+            </a:extLst>
+          </p:cNvPr>
+          <p:cNvSpPr/>
+          <p:nvPr/>
+        </p:nvSpPr>
+        <p:spPr>
+          <a:xfrm>
+            <a:off x="1702988" y="5199302"/>
             <a:ext cx="1582667" cy="436970"/>
           </a:xfrm>
           <a:prstGeom prst="rect">
@@ -18585,7 +18706,7 @@
                 </a:solidFill>
                 <a:latin typeface="Consolas" panose="020B0609020204030204" pitchFamily="49" charset="0"/>
               </a:rPr>
-              <a:t>BoxHttp</a:t>
+              <a:t>Box</a:t>
             </a:r>
             <a:endParaRPr lang="ko-KR" altLang="en-US"/>
           </a:p>
@@ -18593,10 +18714,10 @@
       </p:sp>
       <p:sp>
         <p:nvSpPr>
-          <p:cNvPr id="15" name="직사각형 14">
+          <p:cNvPr id="20" name="직사각형 19">
             <a:extLst>
               <a:ext uri="{FF2B5EF4-FFF2-40B4-BE49-F238E27FC236}">
-                <a16:creationId xmlns:a16="http://schemas.microsoft.com/office/drawing/2014/main" id="{5086B392-13D4-45A8-8E35-357162E75BFB}"/>
+                <a16:creationId xmlns:a16="http://schemas.microsoft.com/office/drawing/2014/main" id="{D01AA3FE-BF7B-46E5-A5A9-D8F7268953F6}"/>
               </a:ext>
             </a:extLst>
           </p:cNvPr>
@@ -18605,7 +18726,73 @@
         </p:nvSpPr>
         <p:spPr>
           <a:xfrm>
-            <a:off x="7987428" y="5248399"/>
+            <a:off x="558617" y="3886200"/>
+            <a:ext cx="2816028" cy="436970"/>
+          </a:xfrm>
+          <a:prstGeom prst="rect">
+            <a:avLst/>
+          </a:prstGeom>
+        </p:spPr>
+        <p:style>
+          <a:lnRef idx="0">
+            <a:schemeClr val="accent6"/>
+          </a:lnRef>
+          <a:fillRef idx="3">
+            <a:schemeClr val="accent6"/>
+          </a:fillRef>
+          <a:effectRef idx="3">
+            <a:schemeClr val="accent6"/>
+          </a:effectRef>
+          <a:fontRef idx="minor">
+            <a:schemeClr val="lt1"/>
+          </a:fontRef>
+        </p:style>
+        <p:txBody>
+          <a:bodyPr rtlCol="0" anchor="ctr"/>
+          <a:lstStyle/>
+          <a:p>
+            <a:pPr algn="ctr"/>
+            <a:r>
+              <a:rPr lang="en-US" altLang="ko-KR">
+                <a:solidFill>
+                  <a:schemeClr val="bg1"/>
+                </a:solidFill>
+                <a:latin typeface="Consolas" panose="020B0609020204030204" pitchFamily="49" charset="0"/>
+              </a:rPr>
+              <a:t>WAS</a:t>
+            </a:r>
+            <a:r>
+              <a:rPr lang="ko-KR" altLang="en-US">
+                <a:solidFill>
+                  <a:schemeClr val="bg1"/>
+                </a:solidFill>
+                <a:latin typeface="Consolas" panose="020B0609020204030204" pitchFamily="49" charset="0"/>
+              </a:rPr>
+              <a:t>의 기능 사용 안함</a:t>
+            </a:r>
+            <a:endParaRPr lang="ko-KR" altLang="en-US">
+              <a:solidFill>
+                <a:schemeClr val="bg1"/>
+              </a:solidFill>
+            </a:endParaRPr>
+          </a:p>
+        </p:txBody>
+      </p:sp>
+      <p:sp>
+        <p:nvSpPr>
+          <p:cNvPr id="22" name="직사각형 21">
+            <a:extLst>
+              <a:ext uri="{FF2B5EF4-FFF2-40B4-BE49-F238E27FC236}">
+                <a16:creationId xmlns:a16="http://schemas.microsoft.com/office/drawing/2014/main" id="{CAF86CF4-C4D0-423C-995D-E6571D6BEC29}"/>
+              </a:ext>
+            </a:extLst>
+          </p:cNvPr>
+          <p:cNvSpPr/>
+          <p:nvPr/>
+        </p:nvSpPr>
+        <p:spPr>
+          <a:xfrm>
+            <a:off x="3968016" y="5977942"/>
             <a:ext cx="1582667" cy="436970"/>
           </a:xfrm>
           <a:prstGeom prst="rect">
@@ -18632,253 +18819,15 @@
           <a:p>
             <a:pPr algn="ctr"/>
             <a:r>
-              <a:rPr lang="en-US" altLang="ko-KR" sz="1800">
-                <a:solidFill>
-                  <a:srgbClr val="000000"/>
-                </a:solidFill>
-                <a:latin typeface="Consolas" panose="020B0609020204030204" pitchFamily="49" charset="0"/>
-              </a:rPr>
-              <a:t>BoxLocal</a:t>
-            </a:r>
-            <a:endParaRPr lang="ko-KR" altLang="en-US"/>
-          </a:p>
-        </p:txBody>
-      </p:sp>
-      <p:sp>
-        <p:nvSpPr>
-          <p:cNvPr id="17" name="직사각형 16">
-            <a:extLst>
-              <a:ext uri="{FF2B5EF4-FFF2-40B4-BE49-F238E27FC236}">
-                <a16:creationId xmlns:a16="http://schemas.microsoft.com/office/drawing/2014/main" id="{745E98BA-DDA1-45BB-A16D-26EB7CDB5690}"/>
-              </a:ext>
-            </a:extLst>
-          </p:cNvPr>
-          <p:cNvSpPr/>
-          <p:nvPr/>
-        </p:nvSpPr>
-        <p:spPr>
-          <a:xfrm>
-            <a:off x="1654516" y="5245067"/>
-            <a:ext cx="2916503" cy="436970"/>
-          </a:xfrm>
-          <a:prstGeom prst="rect">
-            <a:avLst/>
-          </a:prstGeom>
-        </p:spPr>
-        <p:style>
-          <a:lnRef idx="0">
-            <a:schemeClr val="accent6"/>
-          </a:lnRef>
-          <a:fillRef idx="3">
-            <a:schemeClr val="accent6"/>
-          </a:fillRef>
-          <a:effectRef idx="3">
-            <a:schemeClr val="accent6"/>
-          </a:effectRef>
-          <a:fontRef idx="minor">
-            <a:schemeClr val="lt1"/>
-          </a:fontRef>
-        </p:style>
-        <p:txBody>
-          <a:bodyPr rtlCol="0" anchor="ctr"/>
-          <a:lstStyle/>
-          <a:p>
-            <a:pPr algn="ctr"/>
-            <a:r>
-              <a:rPr lang="en-US" altLang="ko-KR">
-                <a:solidFill>
-                  <a:schemeClr val="bg1"/>
-                </a:solidFill>
-                <a:latin typeface="Consolas" panose="020B0609020204030204" pitchFamily="49" charset="0"/>
-              </a:rPr>
-              <a:t>WAS</a:t>
-            </a:r>
-            <a:r>
-              <a:rPr lang="ko-KR" altLang="en-US">
-                <a:solidFill>
-                  <a:schemeClr val="bg1"/>
-                </a:solidFill>
-                <a:latin typeface="Consolas" panose="020B0609020204030204" pitchFamily="49" charset="0"/>
-              </a:rPr>
-              <a:t>의 기능 사용 못함</a:t>
-            </a:r>
-            <a:endParaRPr lang="ko-KR" altLang="en-US">
-              <a:solidFill>
-                <a:schemeClr val="bg1"/>
-              </a:solidFill>
-            </a:endParaRPr>
-          </a:p>
-        </p:txBody>
-      </p:sp>
-      <p:sp>
-        <p:nvSpPr>
-          <p:cNvPr id="18" name="직사각형 17">
-            <a:extLst>
-              <a:ext uri="{FF2B5EF4-FFF2-40B4-BE49-F238E27FC236}">
-                <a16:creationId xmlns:a16="http://schemas.microsoft.com/office/drawing/2014/main" id="{5F275D45-1B68-4B82-964B-FD28213352A9}"/>
-              </a:ext>
-            </a:extLst>
-          </p:cNvPr>
-          <p:cNvSpPr/>
-          <p:nvPr/>
-        </p:nvSpPr>
-        <p:spPr>
-          <a:xfrm>
-            <a:off x="5097933" y="5245067"/>
-            <a:ext cx="1398867" cy="436970"/>
-          </a:xfrm>
-          <a:prstGeom prst="rect">
-            <a:avLst/>
-          </a:prstGeom>
-        </p:spPr>
-        <p:style>
-          <a:lnRef idx="2">
-            <a:schemeClr val="accent6"/>
-          </a:lnRef>
-          <a:fillRef idx="1">
-            <a:schemeClr val="lt1"/>
-          </a:fillRef>
-          <a:effectRef idx="0">
-            <a:schemeClr val="accent6"/>
-          </a:effectRef>
-          <a:fontRef idx="minor">
-            <a:schemeClr val="dk1"/>
-          </a:fontRef>
-        </p:style>
-        <p:txBody>
-          <a:bodyPr rtlCol="0" anchor="ctr"/>
-          <a:lstStyle/>
-          <a:p>
-            <a:pPr algn="ctr"/>
-            <a:r>
               <a:rPr lang="en-US" altLang="ko-KR">
                 <a:solidFill>
                   <a:srgbClr val="000000"/>
                 </a:solidFill>
                 <a:latin typeface="Consolas" panose="020B0609020204030204" pitchFamily="49" charset="0"/>
               </a:rPr>
-              <a:t>HashMap</a:t>
+              <a:t>BoxHttp</a:t>
             </a:r>
             <a:endParaRPr lang="ko-KR" altLang="en-US"/>
-          </a:p>
-        </p:txBody>
-      </p:sp>
-      <p:sp>
-        <p:nvSpPr>
-          <p:cNvPr id="11" name="직사각형 10">
-            <a:extLst>
-              <a:ext uri="{FF2B5EF4-FFF2-40B4-BE49-F238E27FC236}">
-                <a16:creationId xmlns:a16="http://schemas.microsoft.com/office/drawing/2014/main" id="{EEEAB55C-E817-4177-BACF-2102C58803CA}"/>
-              </a:ext>
-            </a:extLst>
-          </p:cNvPr>
-          <p:cNvSpPr/>
-          <p:nvPr/>
-        </p:nvSpPr>
-        <p:spPr>
-          <a:xfrm>
-            <a:off x="5585890" y="2842867"/>
-            <a:ext cx="2816028" cy="436970"/>
-          </a:xfrm>
-          <a:prstGeom prst="rect">
-            <a:avLst/>
-          </a:prstGeom>
-        </p:spPr>
-        <p:style>
-          <a:lnRef idx="2">
-            <a:schemeClr val="accent6"/>
-          </a:lnRef>
-          <a:fillRef idx="1">
-            <a:schemeClr val="lt1"/>
-          </a:fillRef>
-          <a:effectRef idx="0">
-            <a:schemeClr val="accent6"/>
-          </a:effectRef>
-          <a:fontRef idx="minor">
-            <a:schemeClr val="dk1"/>
-          </a:fontRef>
-        </p:style>
-        <p:txBody>
-          <a:bodyPr rtlCol="0" anchor="ctr"/>
-          <a:lstStyle/>
-          <a:p>
-            <a:pPr algn="ctr"/>
-            <a:r>
-              <a:rPr lang="en-US" altLang="ko-KR" sz="1800">
-                <a:solidFill>
-                  <a:srgbClr val="000000"/>
-                </a:solidFill>
-                <a:latin typeface="Consolas" panose="020B0609020204030204" pitchFamily="49" charset="0"/>
-              </a:rPr>
-              <a:t>HttpServletRequest</a:t>
-            </a:r>
-            <a:endParaRPr lang="ko-KR" altLang="en-US"/>
-          </a:p>
-        </p:txBody>
-      </p:sp>
-      <p:sp>
-        <p:nvSpPr>
-          <p:cNvPr id="12" name="직사각형 11">
-            <a:extLst>
-              <a:ext uri="{FF2B5EF4-FFF2-40B4-BE49-F238E27FC236}">
-                <a16:creationId xmlns:a16="http://schemas.microsoft.com/office/drawing/2014/main" id="{5AF4B2D4-C09A-4FF8-A6FE-F61096D4C3AC}"/>
-              </a:ext>
-            </a:extLst>
-          </p:cNvPr>
-          <p:cNvSpPr/>
-          <p:nvPr/>
-        </p:nvSpPr>
-        <p:spPr>
-          <a:xfrm>
-            <a:off x="5585891" y="2034116"/>
-            <a:ext cx="2816028" cy="436970"/>
-          </a:xfrm>
-          <a:prstGeom prst="rect">
-            <a:avLst/>
-          </a:prstGeom>
-        </p:spPr>
-        <p:style>
-          <a:lnRef idx="0">
-            <a:schemeClr val="accent6"/>
-          </a:lnRef>
-          <a:fillRef idx="3">
-            <a:schemeClr val="accent6"/>
-          </a:fillRef>
-          <a:effectRef idx="3">
-            <a:schemeClr val="accent6"/>
-          </a:effectRef>
-          <a:fontRef idx="minor">
-            <a:schemeClr val="lt1"/>
-          </a:fontRef>
-        </p:style>
-        <p:txBody>
-          <a:bodyPr rtlCol="0" anchor="ctr"/>
-          <a:lstStyle/>
-          <a:p>
-            <a:pPr algn="ctr"/>
-            <a:r>
-              <a:rPr lang="en-US" altLang="ko-KR">
-                <a:solidFill>
-                  <a:schemeClr val="bg1"/>
-                </a:solidFill>
-                <a:latin typeface="Consolas" panose="020B0609020204030204" pitchFamily="49" charset="0"/>
-              </a:rPr>
-              <a:t>WAS</a:t>
-            </a:r>
-            <a:r>
-              <a:rPr lang="ko-KR" altLang="en-US">
-                <a:solidFill>
-                  <a:schemeClr val="bg1"/>
-                </a:solidFill>
-                <a:latin typeface="Consolas" panose="020B0609020204030204" pitchFamily="49" charset="0"/>
-              </a:rPr>
-              <a:t>의 기능 사용</a:t>
-            </a:r>
-            <a:endParaRPr lang="ko-KR" altLang="en-US">
-              <a:solidFill>
-                <a:schemeClr val="bg1"/>
-              </a:solidFill>
-            </a:endParaRPr>
           </a:p>
         </p:txBody>
       </p:sp>
@@ -19118,8 +19067,8 @@
         </p:blipFill>
         <p:spPr>
           <a:xfrm>
-            <a:off x="7079233" y="2165237"/>
-            <a:ext cx="3435466" cy="3068151"/>
+            <a:off x="6625681" y="1981201"/>
+            <a:ext cx="2724637" cy="2433323"/>
           </a:xfrm>
           <a:prstGeom prst="rect">
             <a:avLst/>
